--- a/2. Web Development and Database/Day 16-17/Slides/9. Session Handling with Cookies/session-handling-with-cookies-slides.pptx
+++ b/2. Web Development and Database/Day 16-17/Slides/9. Session Handling with Cookies/session-handling-with-cookies-slides.pptx
@@ -3992,7 +3992,27 @@
                 <a:latin typeface="Verdana" panose="020B0604030504040204"/>
                 <a:cs typeface="Verdana" panose="020B0604030504040204"/>
               </a:rPr>
-              <a:t>intgetMaxAge()</a:t>
+              <a:t>int</a:t>
+            </a:r>
+            <a:r>
+              <a:rPr lang="en-US" sz="2400" spc="-114" dirty="0">
+                <a:solidFill>
+                  <a:srgbClr val="F05A28"/>
+                </a:solidFill>
+                <a:latin typeface="Verdana" panose="020B0604030504040204"/>
+                <a:cs typeface="Verdana" panose="020B0604030504040204"/>
+              </a:rPr>
+              <a:t> </a:t>
+            </a:r>
+            <a:r>
+              <a:rPr sz="2400" spc="-114" dirty="0">
+                <a:solidFill>
+                  <a:srgbClr val="F05A28"/>
+                </a:solidFill>
+                <a:latin typeface="Verdana" panose="020B0604030504040204"/>
+                <a:cs typeface="Verdana" panose="020B0604030504040204"/>
+              </a:rPr>
+              <a:t>getMaxAge()</a:t>
             </a:r>
             <a:endParaRPr sz="2400" spc="-114" dirty="0">
               <a:solidFill>
@@ -4029,7 +4049,7 @@
                 <a:latin typeface="Verdana" panose="020B0604030504040204"/>
                 <a:cs typeface="Verdana" panose="020B0604030504040204"/>
               </a:rPr>
-              <a:t> </a:t>
+              <a:t> S</a:t>
             </a:r>
             <a:r>
               <a:rPr sz="2400" spc="-114" dirty="0">
